--- a/MySQL实战/26备库为什么会延迟好几个小时？.pptx
+++ b/MySQL实战/26备库为什么会延迟好几个小时？.pptx
@@ -206,7 +206,7 @@
           <a:p>
             <a:fld id="{A900F2CD-AD8F-46FC-AAAB-A0D218D6826F}" type="datetimeFigureOut">
               <a:rPr lang="zh-CN" altLang="en-US" smtClean="0"/>
-              <a:t>2019/5/29</a:t>
+              <a:t>2020/1/20</a:t>
             </a:fld>
             <a:endParaRPr lang="zh-CN" altLang="en-US"/>
           </a:p>
@@ -1416,7 +1416,7 @@
           <a:p>
             <a:fld id="{E396512D-F96B-4538-B91A-F7EB57A489A0}" type="datetimeFigureOut">
               <a:rPr lang="zh-CN" altLang="en-US" smtClean="0"/>
-              <a:t>2019/5/29</a:t>
+              <a:t>2020/1/20</a:t>
             </a:fld>
             <a:endParaRPr lang="zh-CN" altLang="en-US"/>
           </a:p>
@@ -1691,7 +1691,7 @@
           <a:p>
             <a:fld id="{E396512D-F96B-4538-B91A-F7EB57A489A0}" type="datetimeFigureOut">
               <a:rPr lang="zh-CN" altLang="en-US" smtClean="0"/>
-              <a:t>2019/5/29</a:t>
+              <a:t>2020/1/20</a:t>
             </a:fld>
             <a:endParaRPr lang="zh-CN" altLang="en-US"/>
           </a:p>
@@ -1885,7 +1885,7 @@
           <a:p>
             <a:fld id="{E396512D-F96B-4538-B91A-F7EB57A489A0}" type="datetimeFigureOut">
               <a:rPr lang="zh-CN" altLang="en-US" smtClean="0"/>
-              <a:t>2019/5/29</a:t>
+              <a:t>2020/1/20</a:t>
             </a:fld>
             <a:endParaRPr lang="zh-CN" altLang="en-US"/>
           </a:p>
@@ -2158,7 +2158,7 @@
           <a:p>
             <a:fld id="{E396512D-F96B-4538-B91A-F7EB57A489A0}" type="datetimeFigureOut">
               <a:rPr lang="zh-CN" altLang="en-US" smtClean="0"/>
-              <a:t>2019/5/29</a:t>
+              <a:t>2020/1/20</a:t>
             </a:fld>
             <a:endParaRPr lang="zh-CN" altLang="en-US"/>
           </a:p>
@@ -2499,7 +2499,7 @@
           <a:p>
             <a:fld id="{E396512D-F96B-4538-B91A-F7EB57A489A0}" type="datetimeFigureOut">
               <a:rPr lang="zh-CN" altLang="en-US" smtClean="0"/>
-              <a:t>2019/5/29</a:t>
+              <a:t>2020/1/20</a:t>
             </a:fld>
             <a:endParaRPr lang="zh-CN" altLang="en-US"/>
           </a:p>
@@ -3122,7 +3122,7 @@
           <a:p>
             <a:fld id="{E396512D-F96B-4538-B91A-F7EB57A489A0}" type="datetimeFigureOut">
               <a:rPr lang="zh-CN" altLang="en-US" smtClean="0"/>
-              <a:t>2019/5/29</a:t>
+              <a:t>2020/1/20</a:t>
             </a:fld>
             <a:endParaRPr lang="zh-CN" altLang="en-US"/>
           </a:p>
@@ -3982,7 +3982,7 @@
           <a:p>
             <a:fld id="{E396512D-F96B-4538-B91A-F7EB57A489A0}" type="datetimeFigureOut">
               <a:rPr lang="zh-CN" altLang="en-US" smtClean="0"/>
-              <a:t>2019/5/29</a:t>
+              <a:t>2020/1/20</a:t>
             </a:fld>
             <a:endParaRPr lang="zh-CN" altLang="en-US"/>
           </a:p>
@@ -4152,7 +4152,7 @@
           <a:p>
             <a:fld id="{E396512D-F96B-4538-B91A-F7EB57A489A0}" type="datetimeFigureOut">
               <a:rPr lang="zh-CN" altLang="en-US" smtClean="0"/>
-              <a:t>2019/5/29</a:t>
+              <a:t>2020/1/20</a:t>
             </a:fld>
             <a:endParaRPr lang="zh-CN" altLang="en-US"/>
           </a:p>
@@ -4332,7 +4332,7 @@
           <a:p>
             <a:fld id="{E396512D-F96B-4538-B91A-F7EB57A489A0}" type="datetimeFigureOut">
               <a:rPr lang="zh-CN" altLang="en-US" smtClean="0"/>
-              <a:t>2019/5/29</a:t>
+              <a:t>2020/1/20</a:t>
             </a:fld>
             <a:endParaRPr lang="zh-CN" altLang="en-US"/>
           </a:p>
@@ -4502,7 +4502,7 @@
           <a:p>
             <a:fld id="{E396512D-F96B-4538-B91A-F7EB57A489A0}" type="datetimeFigureOut">
               <a:rPr lang="zh-CN" altLang="en-US" smtClean="0"/>
-              <a:t>2019/5/29</a:t>
+              <a:t>2020/1/20</a:t>
             </a:fld>
             <a:endParaRPr lang="zh-CN" altLang="en-US"/>
           </a:p>
@@ -4749,7 +4749,7 @@
           <a:p>
             <a:fld id="{E396512D-F96B-4538-B91A-F7EB57A489A0}" type="datetimeFigureOut">
               <a:rPr lang="zh-CN" altLang="en-US" smtClean="0"/>
-              <a:t>2019/5/29</a:t>
+              <a:t>2020/1/20</a:t>
             </a:fld>
             <a:endParaRPr lang="zh-CN" altLang="en-US"/>
           </a:p>
@@ -5041,7 +5041,7 @@
           <a:p>
             <a:fld id="{E396512D-F96B-4538-B91A-F7EB57A489A0}" type="datetimeFigureOut">
               <a:rPr lang="zh-CN" altLang="en-US" smtClean="0"/>
-              <a:t>2019/5/29</a:t>
+              <a:t>2020/1/20</a:t>
             </a:fld>
             <a:endParaRPr lang="zh-CN" altLang="en-US"/>
           </a:p>
@@ -5485,7 +5485,7 @@
           <a:p>
             <a:fld id="{E396512D-F96B-4538-B91A-F7EB57A489A0}" type="datetimeFigureOut">
               <a:rPr lang="zh-CN" altLang="en-US" smtClean="0"/>
-              <a:t>2019/5/29</a:t>
+              <a:t>2020/1/20</a:t>
             </a:fld>
             <a:endParaRPr lang="zh-CN" altLang="en-US"/>
           </a:p>
@@ -5603,7 +5603,7 @@
           <a:p>
             <a:fld id="{E396512D-F96B-4538-B91A-F7EB57A489A0}" type="datetimeFigureOut">
               <a:rPr lang="zh-CN" altLang="en-US" smtClean="0"/>
-              <a:t>2019/5/29</a:t>
+              <a:t>2020/1/20</a:t>
             </a:fld>
             <a:endParaRPr lang="zh-CN" altLang="en-US"/>
           </a:p>
@@ -5698,7 +5698,7 @@
           <a:p>
             <a:fld id="{E396512D-F96B-4538-B91A-F7EB57A489A0}" type="datetimeFigureOut">
               <a:rPr lang="zh-CN" altLang="en-US" smtClean="0"/>
-              <a:t>2019/5/29</a:t>
+              <a:t>2020/1/20</a:t>
             </a:fld>
             <a:endParaRPr lang="zh-CN" altLang="en-US"/>
           </a:p>
@@ -5977,7 +5977,7 @@
           <a:p>
             <a:fld id="{E396512D-F96B-4538-B91A-F7EB57A489A0}" type="datetimeFigureOut">
               <a:rPr lang="zh-CN" altLang="en-US" smtClean="0"/>
-              <a:t>2019/5/29</a:t>
+              <a:t>2020/1/20</a:t>
             </a:fld>
             <a:endParaRPr lang="zh-CN" altLang="en-US"/>
           </a:p>
@@ -6252,7 +6252,7 @@
           <a:p>
             <a:fld id="{E396512D-F96B-4538-B91A-F7EB57A489A0}" type="datetimeFigureOut">
               <a:rPr lang="zh-CN" altLang="en-US" smtClean="0"/>
-              <a:t>2019/5/29</a:t>
+              <a:t>2020/1/20</a:t>
             </a:fld>
             <a:endParaRPr lang="zh-CN" altLang="en-US"/>
           </a:p>
@@ -6681,7 +6681,7 @@
           <a:p>
             <a:fld id="{E396512D-F96B-4538-B91A-F7EB57A489A0}" type="datetimeFigureOut">
               <a:rPr lang="zh-CN" altLang="en-US" smtClean="0"/>
-              <a:t>2019/5/29</a:t>
+              <a:t>2020/1/20</a:t>
             </a:fld>
             <a:endParaRPr lang="zh-CN" altLang="en-US"/>
           </a:p>
@@ -14317,7 +14317,7 @@
           </a:p>
           <a:p>
             <a:r>
-              <a:rPr lang="en-US" altLang="zh-CN" sz="1400" dirty="0" smtClean="0">
+              <a:rPr lang="en-US" altLang="zh-CN" sz="1400" dirty="0" err="1" smtClean="0">
                 <a:solidFill>
                   <a:schemeClr val="accent1">
                     <a:lumMod val="40000"/>
@@ -14327,10 +14327,10 @@
                 <a:latin typeface="微软雅黑" panose="020B0503020204020204" pitchFamily="34" charset="-122"/>
                 <a:ea typeface="微软雅黑" panose="020B0503020204020204" pitchFamily="34" charset="-122"/>
               </a:rPr>
-              <a:t>t2</a:t>
-            </a:r>
-            <a:r>
-              <a:rPr lang="zh-CN" altLang="en-US" sz="1400" dirty="0">
+              <a:t>t3</a:t>
+            </a:r>
+            <a:r>
+              <a:rPr lang="zh-CN" altLang="en-US" sz="1400" dirty="0" smtClean="0">
                 <a:solidFill>
                   <a:schemeClr val="accent1">
                     <a:lumMod val="40000"/>
@@ -14508,7 +14508,7 @@
           <a:lstStyle/>
           <a:p>
             <a:r>
-              <a:rPr lang="en-US" altLang="zh-CN" sz="1200" dirty="0" smtClean="0">
+              <a:rPr lang="en-US" altLang="zh-CN" sz="1200" dirty="0" err="1" smtClean="0">
                 <a:solidFill>
                   <a:schemeClr val="accent1">
                     <a:lumMod val="40000"/>
@@ -14518,7 +14518,7 @@
                 <a:latin typeface="微软雅黑" panose="020B0503020204020204" pitchFamily="34" charset="-122"/>
                 <a:ea typeface="微软雅黑" panose="020B0503020204020204" pitchFamily="34" charset="-122"/>
               </a:rPr>
-              <a:t>t2</a:t>
+              <a:t>t3</a:t>
             </a:r>
             <a:r>
               <a:rPr lang="zh-CN" altLang="en-US" sz="1200" dirty="0" smtClean="0">
@@ -17969,14 +17969,7 @@
                 <a:latin typeface="微软雅黑" panose="020B0503020204020204" pitchFamily="34" charset="-122"/>
                 <a:ea typeface="微软雅黑" panose="020B0503020204020204" pitchFamily="34" charset="-122"/>
               </a:rPr>
-              <a:t>update</a:t>
-            </a:r>
-            <a:r>
-              <a:rPr lang="en-US" altLang="zh-CN" sz="1400" dirty="0" smtClean="0">
-                <a:latin typeface="微软雅黑" panose="020B0503020204020204" pitchFamily="34" charset="-122"/>
-                <a:ea typeface="微软雅黑" panose="020B0503020204020204" pitchFamily="34" charset="-122"/>
-              </a:rPr>
-              <a:t> t1 set a=1 where id=2</a:t>
+              <a:t>update t1 set a=1 where id=2</a:t>
             </a:r>
           </a:p>
           <a:p>
@@ -18051,8 +18044,10 @@
                 <a:latin typeface="微软雅黑" panose="020B0503020204020204" pitchFamily="34" charset="-122"/>
                 <a:ea typeface="微软雅黑" panose="020B0503020204020204" pitchFamily="34" charset="-122"/>
               </a:rPr>
-              <a:t>(db1+t1+”PRIMARY”+2)</a:t>
-            </a:r>
+              <a:t>(db1+t1+”PRIMARY”+2), value=2</a:t>
+            </a:r>
+          </a:p>
+          <a:p>
             <a:r>
               <a:rPr lang="en-US" altLang="zh-CN" sz="1600" dirty="0" smtClean="0">
                 <a:solidFill>
@@ -18061,10 +18056,18 @@
                 <a:latin typeface="微软雅黑" panose="020B0503020204020204" pitchFamily="34" charset="-122"/>
                 <a:ea typeface="微软雅黑" panose="020B0503020204020204" pitchFamily="34" charset="-122"/>
               </a:rPr>
-              <a:t>, value=2</a:t>
-            </a:r>
-          </a:p>
-          <a:p>
+              <a:t>key=</a:t>
+            </a:r>
+            <a:r>
+              <a:rPr lang="en-US" altLang="zh-CN" sz="1600" dirty="0" err="1" smtClean="0">
+                <a:solidFill>
+                  <a:srgbClr val="00B0F0"/>
+                </a:solidFill>
+                <a:latin typeface="微软雅黑" panose="020B0503020204020204" pitchFamily="34" charset="-122"/>
+                <a:ea typeface="微软雅黑" panose="020B0503020204020204" pitchFamily="34" charset="-122"/>
+              </a:rPr>
+              <a:t>hash_func</a:t>
+            </a:r>
             <a:r>
               <a:rPr lang="en-US" altLang="zh-CN" sz="1600" dirty="0" smtClean="0">
                 <a:solidFill>
@@ -18073,8 +18076,10 @@
                 <a:latin typeface="微软雅黑" panose="020B0503020204020204" pitchFamily="34" charset="-122"/>
                 <a:ea typeface="微软雅黑" panose="020B0503020204020204" pitchFamily="34" charset="-122"/>
               </a:rPr>
-              <a:t>key</a:t>
-            </a:r>
+              <a:t>(db1+t1+”a”+2), value=1</a:t>
+            </a:r>
+          </a:p>
+          <a:p>
             <a:r>
               <a:rPr lang="en-US" altLang="zh-CN" sz="1600" dirty="0" smtClean="0">
                 <a:solidFill>
@@ -18083,7 +18088,7 @@
                 <a:latin typeface="微软雅黑" panose="020B0503020204020204" pitchFamily="34" charset="-122"/>
                 <a:ea typeface="微软雅黑" panose="020B0503020204020204" pitchFamily="34" charset="-122"/>
               </a:rPr>
-              <a:t>=</a:t>
+              <a:t>key=</a:t>
             </a:r>
             <a:r>
               <a:rPr lang="en-US" altLang="zh-CN" sz="1600" dirty="0" err="1" smtClean="0">
@@ -18103,47 +18108,8 @@
                 <a:latin typeface="微软雅黑" panose="020B0503020204020204" pitchFamily="34" charset="-122"/>
                 <a:ea typeface="微软雅黑" panose="020B0503020204020204" pitchFamily="34" charset="-122"/>
               </a:rPr>
-              <a:t>(db1+t1+”a”+2), value=1</a:t>
-            </a:r>
-          </a:p>
-          <a:p>
-            <a:r>
-              <a:rPr lang="en-US" altLang="zh-CN" sz="1600" dirty="0" smtClean="0">
-                <a:solidFill>
-                  <a:srgbClr val="00B0F0"/>
-                </a:solidFill>
-                <a:latin typeface="微软雅黑" panose="020B0503020204020204" pitchFamily="34" charset="-122"/>
-                <a:ea typeface="微软雅黑" panose="020B0503020204020204" pitchFamily="34" charset="-122"/>
-              </a:rPr>
-              <a:t>key=</a:t>
-            </a:r>
-            <a:r>
-              <a:rPr lang="en-US" altLang="zh-CN" sz="1600" dirty="0" err="1" smtClean="0">
-                <a:solidFill>
-                  <a:srgbClr val="00B0F0"/>
-                </a:solidFill>
-                <a:latin typeface="微软雅黑" panose="020B0503020204020204" pitchFamily="34" charset="-122"/>
-                <a:ea typeface="微软雅黑" panose="020B0503020204020204" pitchFamily="34" charset="-122"/>
-              </a:rPr>
-              <a:t>hash_func</a:t>
-            </a:r>
-            <a:r>
-              <a:rPr lang="en-US" altLang="zh-CN" sz="1600" dirty="0" smtClean="0">
-                <a:solidFill>
-                  <a:srgbClr val="00B0F0"/>
-                </a:solidFill>
-                <a:latin typeface="微软雅黑" panose="020B0503020204020204" pitchFamily="34" charset="-122"/>
-                <a:ea typeface="微软雅黑" panose="020B0503020204020204" pitchFamily="34" charset="-122"/>
-              </a:rPr>
               <a:t>(db1+t1+”a”+1), value=1</a:t>
             </a:r>
-            <a:endParaRPr lang="en-US" altLang="zh-CN" sz="1600" dirty="0" smtClean="0">
-              <a:solidFill>
-                <a:srgbClr val="00B0F0"/>
-              </a:solidFill>
-              <a:latin typeface="微软雅黑" panose="020B0503020204020204" pitchFamily="34" charset="-122"/>
-              <a:ea typeface="微软雅黑" panose="020B0503020204020204" pitchFamily="34" charset="-122"/>
-            </a:endParaRPr>
           </a:p>
         </p:txBody>
       </p:sp>
@@ -18260,10 +18226,6 @@
               </a:rPr>
               <a:t>log</a:t>
             </a:r>
-            <a:endParaRPr lang="en-US" altLang="zh-CN" sz="1400" dirty="0" smtClean="0">
-              <a:latin typeface="微软雅黑" panose="020B0503020204020204" pitchFamily="34" charset="-122"/>
-              <a:ea typeface="微软雅黑" panose="020B0503020204020204" pitchFamily="34" charset="-122"/>
-            </a:endParaRPr>
           </a:p>
         </p:txBody>
       </p:sp>
@@ -18302,10 +18264,6 @@
               </a:rPr>
               <a:t>log</a:t>
             </a:r>
-            <a:endParaRPr lang="en-US" altLang="zh-CN" sz="1400" dirty="0" smtClean="0">
-              <a:latin typeface="微软雅黑" panose="020B0503020204020204" pitchFamily="34" charset="-122"/>
-              <a:ea typeface="微软雅黑" panose="020B0503020204020204" pitchFamily="34" charset="-122"/>
-            </a:endParaRPr>
           </a:p>
         </p:txBody>
       </p:sp>
@@ -19770,14 +19728,7 @@
                 <a:latin typeface="微软雅黑" panose="020B0503020204020204" pitchFamily="34" charset="-122"/>
                 <a:ea typeface="微软雅黑" panose="020B0503020204020204" pitchFamily="34" charset="-122"/>
               </a:rPr>
-              <a:t>update</a:t>
-            </a:r>
-            <a:r>
-              <a:rPr lang="en-US" altLang="zh-CN" sz="1400" dirty="0" smtClean="0">
-                <a:latin typeface="微软雅黑" panose="020B0503020204020204" pitchFamily="34" charset="-122"/>
-                <a:ea typeface="微软雅黑" panose="020B0503020204020204" pitchFamily="34" charset="-122"/>
-              </a:rPr>
-              <a:t> db1.t1 set a=1 where id=2</a:t>
+              <a:t>update db1.t1 set a=1 where id=2</a:t>
             </a:r>
           </a:p>
           <a:p>
@@ -19846,25 +19797,8 @@
                 <a:latin typeface="微软雅黑" panose="020B0503020204020204" pitchFamily="34" charset="-122"/>
                 <a:ea typeface="微软雅黑" panose="020B0503020204020204" pitchFamily="34" charset="-122"/>
               </a:rPr>
-              <a:t>key=</a:t>
-            </a:r>
-            <a:r>
-              <a:rPr lang="en-US" altLang="zh-CN" sz="1600" dirty="0" smtClean="0">
-                <a:solidFill>
-                  <a:srgbClr val="00B0F0"/>
-                </a:solidFill>
-                <a:latin typeface="微软雅黑" panose="020B0503020204020204" pitchFamily="34" charset="-122"/>
-                <a:ea typeface="微软雅黑" panose="020B0503020204020204" pitchFamily="34" charset="-122"/>
-              </a:rPr>
-              <a:t>db1</a:t>
-            </a:r>
-            <a:endParaRPr lang="en-US" altLang="zh-CN" sz="1600" dirty="0" smtClean="0">
-              <a:solidFill>
-                <a:srgbClr val="00B0F0"/>
-              </a:solidFill>
-              <a:latin typeface="微软雅黑" panose="020B0503020204020204" pitchFamily="34" charset="-122"/>
-              <a:ea typeface="微软雅黑" panose="020B0503020204020204" pitchFamily="34" charset="-122"/>
-            </a:endParaRPr>
+              <a:t>key=db1</a:t>
+            </a:r>
           </a:p>
         </p:txBody>
       </p:sp>
@@ -19981,10 +19915,6 @@
               </a:rPr>
               <a:t>log</a:t>
             </a:r>
-            <a:endParaRPr lang="en-US" altLang="zh-CN" sz="1400" dirty="0" smtClean="0">
-              <a:latin typeface="微软雅黑" panose="020B0503020204020204" pitchFamily="34" charset="-122"/>
-              <a:ea typeface="微软雅黑" panose="020B0503020204020204" pitchFamily="34" charset="-122"/>
-            </a:endParaRPr>
           </a:p>
         </p:txBody>
       </p:sp>
@@ -20023,10 +19953,6 @@
               </a:rPr>
               <a:t>log</a:t>
             </a:r>
-            <a:endParaRPr lang="en-US" altLang="zh-CN" sz="1400" dirty="0" smtClean="0">
-              <a:latin typeface="微软雅黑" panose="020B0503020204020204" pitchFamily="34" charset="-122"/>
-              <a:ea typeface="微软雅黑" panose="020B0503020204020204" pitchFamily="34" charset="-122"/>
-            </a:endParaRPr>
           </a:p>
         </p:txBody>
       </p:sp>
@@ -20369,14 +20295,7 @@
                 <a:latin typeface="微软雅黑" panose="020B0503020204020204" pitchFamily="34" charset="-122"/>
                 <a:ea typeface="微软雅黑" panose="020B0503020204020204" pitchFamily="34" charset="-122"/>
               </a:rPr>
-              <a:t>db1</a:t>
-            </a:r>
-            <a:r>
-              <a:rPr lang="en-US" altLang="zh-CN" sz="1400" dirty="0" smtClean="0">
-                <a:latin typeface="微软雅黑" panose="020B0503020204020204" pitchFamily="34" charset="-122"/>
-                <a:ea typeface="微软雅黑" panose="020B0503020204020204" pitchFamily="34" charset="-122"/>
-              </a:rPr>
-              <a:t>:1</a:t>
+              <a:t>db1:1</a:t>
             </a:r>
             <a:endParaRPr lang="zh-CN" altLang="en-US" sz="1400" dirty="0">
               <a:latin typeface="微软雅黑" panose="020B0503020204020204" pitchFamily="34" charset="-122"/>
@@ -20762,14 +20681,6 @@
               </a:rPr>
               <a:t>	</a:t>
             </a:r>
-            <a:endParaRPr lang="en-US" altLang="zh-CN" b="1" dirty="0" smtClean="0">
-              <a:ln/>
-              <a:solidFill>
-                <a:srgbClr val="4FD1FF"/>
-              </a:solidFill>
-              <a:latin typeface="微软雅黑" panose="020B0503020204020204" pitchFamily="34" charset="-122"/>
-              <a:ea typeface="微软雅黑" panose="020B0503020204020204" pitchFamily="34" charset="-122"/>
-            </a:endParaRPr>
           </a:p>
         </p:txBody>
       </p:sp>
@@ -20927,14 +20838,7 @@
                 <a:latin typeface="微软雅黑" panose="020B0503020204020204" pitchFamily="34" charset="-122"/>
                 <a:ea typeface="微软雅黑" panose="020B0503020204020204" pitchFamily="34" charset="-122"/>
               </a:rPr>
-              <a:t>length</a:t>
-            </a:r>
-            <a:r>
-              <a:rPr lang="en-US" altLang="zh-CN" sz="800" dirty="0" smtClean="0">
-                <a:latin typeface="微软雅黑" panose="020B0503020204020204" pitchFamily="34" charset="-122"/>
-                <a:ea typeface="微软雅黑" panose="020B0503020204020204" pitchFamily="34" charset="-122"/>
-              </a:rPr>
-              <a:t>:</a:t>
+              <a:t>length:</a:t>
             </a:r>
           </a:p>
           <a:p>
@@ -21284,10 +21188,6 @@
               </a:rPr>
               <a:t>commit</a:t>
             </a:r>
-            <a:endParaRPr lang="en-US" altLang="zh-CN" sz="800" dirty="0" smtClean="0">
-              <a:latin typeface="微软雅黑" panose="020B0503020204020204" pitchFamily="34" charset="-122"/>
-              <a:ea typeface="微软雅黑" panose="020B0503020204020204" pitchFamily="34" charset="-122"/>
-            </a:endParaRPr>
           </a:p>
           <a:p>
             <a:pPr algn="ctr"/>
@@ -21376,10 +21276,6 @@
               </a:rPr>
               <a:t>commit</a:t>
             </a:r>
-            <a:endParaRPr lang="en-US" altLang="zh-CN" sz="800" dirty="0" smtClean="0">
-              <a:latin typeface="微软雅黑" panose="020B0503020204020204" pitchFamily="34" charset="-122"/>
-              <a:ea typeface="微软雅黑" panose="020B0503020204020204" pitchFamily="34" charset="-122"/>
-            </a:endParaRPr>
           </a:p>
           <a:p>
             <a:pPr algn="ctr"/>
@@ -22179,14 +22075,7 @@
                 <a:latin typeface="微软雅黑" panose="020B0503020204020204" pitchFamily="34" charset="-122"/>
                 <a:ea typeface="微软雅黑" panose="020B0503020204020204" pitchFamily="34" charset="-122"/>
               </a:rPr>
-              <a:t>并行的这些</a:t>
-            </a:r>
-            <a:r>
-              <a:rPr lang="zh-CN" altLang="en-US" sz="1000" dirty="0" smtClean="0">
-                <a:latin typeface="微软雅黑" panose="020B0503020204020204" pitchFamily="34" charset="-122"/>
-                <a:ea typeface="微软雅黑" panose="020B0503020204020204" pitchFamily="34" charset="-122"/>
-              </a:rPr>
-              <a:t>事务</a:t>
+              <a:t>并行的这些事务</a:t>
             </a:r>
             <a:r>
               <a:rPr lang="en-US" altLang="zh-CN" sz="1000" dirty="0" smtClean="0">
@@ -22331,40 +22220,29 @@
                 <a:latin typeface="微软雅黑" panose="020B0503020204020204" pitchFamily="34" charset="-122"/>
                 <a:ea typeface="微软雅黑" panose="020B0503020204020204" pitchFamily="34" charset="-122"/>
               </a:rPr>
-              <a:t>，这次我来汇总大家的事务写入</a:t>
+              <a:t>，这次我来汇总大家的事务写入。我们本次的</a:t>
+            </a:r>
+            <a:r>
+              <a:rPr lang="en-US" altLang="zh-CN" sz="1000" dirty="0" smtClean="0">
+                <a:latin typeface="微软雅黑" panose="020B0503020204020204" pitchFamily="34" charset="-122"/>
+                <a:ea typeface="微软雅黑" panose="020B0503020204020204" pitchFamily="34" charset="-122"/>
+              </a:rPr>
+              <a:t>commit id</a:t>
             </a:r>
             <a:r>
               <a:rPr lang="zh-CN" altLang="en-US" sz="1000" dirty="0" smtClean="0">
                 <a:latin typeface="微软雅黑" panose="020B0503020204020204" pitchFamily="34" charset="-122"/>
                 <a:ea typeface="微软雅黑" panose="020B0503020204020204" pitchFamily="34" charset="-122"/>
               </a:rPr>
-              <a:t>。我们本次的</a:t>
+              <a:t>是</a:t>
             </a:r>
             <a:r>
               <a:rPr lang="en-US" altLang="zh-CN" sz="1000" dirty="0" smtClean="0">
                 <a:latin typeface="微软雅黑" panose="020B0503020204020204" pitchFamily="34" charset="-122"/>
                 <a:ea typeface="微软雅黑" panose="020B0503020204020204" pitchFamily="34" charset="-122"/>
               </a:rPr>
-              <a:t>commit id</a:t>
-            </a:r>
-            <a:r>
-              <a:rPr lang="zh-CN" altLang="en-US" sz="1000" dirty="0" smtClean="0">
-                <a:latin typeface="微软雅黑" panose="020B0503020204020204" pitchFamily="34" charset="-122"/>
-                <a:ea typeface="微软雅黑" panose="020B0503020204020204" pitchFamily="34" charset="-122"/>
-              </a:rPr>
-              <a:t>是</a:t>
-            </a:r>
-            <a:r>
-              <a:rPr lang="en-US" altLang="zh-CN" sz="1000" dirty="0" smtClean="0">
-                <a:latin typeface="微软雅黑" panose="020B0503020204020204" pitchFamily="34" charset="-122"/>
-                <a:ea typeface="微软雅黑" panose="020B0503020204020204" pitchFamily="34" charset="-122"/>
-              </a:rPr>
               <a:t>523</a:t>
             </a:r>
-            <a:endParaRPr lang="en-US" altLang="zh-CN" sz="1000" dirty="0" smtClean="0">
-              <a:latin typeface="微软雅黑" panose="020B0503020204020204" pitchFamily="34" charset="-122"/>
-              <a:ea typeface="微软雅黑" panose="020B0503020204020204" pitchFamily="34" charset="-122"/>
-            </a:endParaRPr>
           </a:p>
         </p:txBody>
       </p:sp>
@@ -23242,14 +23120,7 @@
                 <a:latin typeface="微软雅黑" panose="020B0503020204020204" pitchFamily="34" charset="-122"/>
                 <a:ea typeface="微软雅黑" panose="020B0503020204020204" pitchFamily="34" charset="-122"/>
               </a:rPr>
-              <a:t>worker </a:t>
-            </a:r>
-            <a:r>
-              <a:rPr lang="en-US" altLang="zh-CN" sz="1400" dirty="0" smtClean="0">
-                <a:latin typeface="微软雅黑" panose="020B0503020204020204" pitchFamily="34" charset="-122"/>
-                <a:ea typeface="微软雅黑" panose="020B0503020204020204" pitchFamily="34" charset="-122"/>
-              </a:rPr>
-              <a:t>1</a:t>
+              <a:t>worker 1</a:t>
             </a:r>
             <a:endParaRPr lang="zh-CN" altLang="en-US" sz="1400" dirty="0">
               <a:latin typeface="微软雅黑" panose="020B0503020204020204" pitchFamily="34" charset="-122"/>
@@ -23312,14 +23183,7 @@
                 <a:latin typeface="微软雅黑" panose="020B0503020204020204" pitchFamily="34" charset="-122"/>
                 <a:ea typeface="微软雅黑" panose="020B0503020204020204" pitchFamily="34" charset="-122"/>
               </a:rPr>
-              <a:t>worker </a:t>
-            </a:r>
-            <a:r>
-              <a:rPr lang="en-US" altLang="zh-CN" sz="1400" dirty="0" smtClean="0">
-                <a:latin typeface="微软雅黑" panose="020B0503020204020204" pitchFamily="34" charset="-122"/>
-                <a:ea typeface="微软雅黑" panose="020B0503020204020204" pitchFamily="34" charset="-122"/>
-              </a:rPr>
-              <a:t>2</a:t>
+              <a:t>worker 2</a:t>
             </a:r>
             <a:endParaRPr lang="zh-CN" altLang="en-US" sz="1400" dirty="0">
               <a:latin typeface="微软雅黑" panose="020B0503020204020204" pitchFamily="34" charset="-122"/>
@@ -23543,10 +23407,6 @@
               </a:rPr>
               <a:t>tx1</a:t>
             </a:r>
-            <a:endParaRPr lang="en-US" altLang="zh-CN" sz="1200" dirty="0" smtClean="0">
-              <a:latin typeface="微软雅黑" panose="020B0503020204020204" pitchFamily="34" charset="-122"/>
-              <a:ea typeface="微软雅黑" panose="020B0503020204020204" pitchFamily="34" charset="-122"/>
-            </a:endParaRPr>
           </a:p>
         </p:txBody>
       </p:sp>
@@ -23585,10 +23445,6 @@
               </a:rPr>
               <a:t>tx2</a:t>
             </a:r>
-            <a:endParaRPr lang="en-US" altLang="zh-CN" sz="1200" dirty="0" smtClean="0">
-              <a:latin typeface="微软雅黑" panose="020B0503020204020204" pitchFamily="34" charset="-122"/>
-              <a:ea typeface="微软雅黑" panose="020B0503020204020204" pitchFamily="34" charset="-122"/>
-            </a:endParaRPr>
           </a:p>
         </p:txBody>
       </p:sp>
@@ -23627,10 +23483,6 @@
               </a:rPr>
               <a:t>tx3</a:t>
             </a:r>
-            <a:endParaRPr lang="en-US" altLang="zh-CN" sz="1200" dirty="0" smtClean="0">
-              <a:latin typeface="微软雅黑" panose="020B0503020204020204" pitchFamily="34" charset="-122"/>
-              <a:ea typeface="微软雅黑" panose="020B0503020204020204" pitchFamily="34" charset="-122"/>
-            </a:endParaRPr>
           </a:p>
         </p:txBody>
       </p:sp>
@@ -23817,20 +23669,7 @@
                 <a:latin typeface="微软雅黑" panose="020B0503020204020204" pitchFamily="34" charset="-122"/>
                 <a:ea typeface="微软雅黑" panose="020B0503020204020204" pitchFamily="34" charset="-122"/>
               </a:rPr>
-              <a:t>再次说明大事务的影响</a:t>
-            </a:r>
-            <a:r>
-              <a:rPr lang="zh-CN" altLang="en-US" sz="1400" dirty="0" smtClean="0">
-                <a:solidFill>
-                  <a:schemeClr val="accent1">
-                    <a:lumMod val="40000"/>
-                    <a:lumOff val="60000"/>
-                  </a:schemeClr>
-                </a:solidFill>
-                <a:latin typeface="微软雅黑" panose="020B0503020204020204" pitchFamily="34" charset="-122"/>
-                <a:ea typeface="微软雅黑" panose="020B0503020204020204" pitchFamily="34" charset="-122"/>
-              </a:rPr>
-              <a:t>！</a:t>
+              <a:t>再次说明大事务的影响！</a:t>
             </a:r>
             <a:endParaRPr lang="en-US" altLang="zh-CN" sz="1400" dirty="0" smtClean="0">
               <a:solidFill>
@@ -24098,17 +23937,7 @@
                 <a:latin typeface="微软雅黑" panose="020B0503020204020204" pitchFamily="34" charset="-122"/>
                 <a:ea typeface="微软雅黑" panose="020B0503020204020204" pitchFamily="34" charset="-122"/>
               </a:rPr>
-              <a:t>的按库并行策略</a:t>
-            </a:r>
-            <a:r>
-              <a:rPr lang="zh-CN" altLang="en-US" sz="1400" dirty="0" smtClean="0">
-                <a:solidFill>
-                  <a:srgbClr val="92D050"/>
-                </a:solidFill>
-                <a:latin typeface="微软雅黑" panose="020B0503020204020204" pitchFamily="34" charset="-122"/>
-                <a:ea typeface="微软雅黑" panose="020B0503020204020204" pitchFamily="34" charset="-122"/>
-              </a:rPr>
-              <a:t>。</a:t>
+              <a:t>的按库并行策略。</a:t>
             </a:r>
             <a:endParaRPr lang="en-US" altLang="zh-CN" sz="1400" dirty="0" smtClean="0">
               <a:solidFill>
@@ -24277,14 +24106,7 @@
                 <a:latin typeface="微软雅黑" panose="020B0503020204020204" pitchFamily="34" charset="-122"/>
                 <a:ea typeface="微软雅黑" panose="020B0503020204020204" pitchFamily="34" charset="-122"/>
               </a:rPr>
-              <a:t>length</a:t>
-            </a:r>
-            <a:r>
-              <a:rPr lang="en-US" altLang="zh-CN" sz="800" dirty="0" smtClean="0">
-                <a:latin typeface="微软雅黑" panose="020B0503020204020204" pitchFamily="34" charset="-122"/>
-                <a:ea typeface="微软雅黑" panose="020B0503020204020204" pitchFamily="34" charset="-122"/>
-              </a:rPr>
-              <a:t>:</a:t>
+              <a:t>length:</a:t>
             </a:r>
           </a:p>
           <a:p>
@@ -24522,10 +24344,6 @@
               </a:rPr>
               <a:t>commit</a:t>
             </a:r>
-            <a:endParaRPr lang="en-US" altLang="zh-CN" sz="800" dirty="0" smtClean="0">
-              <a:latin typeface="微软雅黑" panose="020B0503020204020204" pitchFamily="34" charset="-122"/>
-              <a:ea typeface="微软雅黑" panose="020B0503020204020204" pitchFamily="34" charset="-122"/>
-            </a:endParaRPr>
           </a:p>
           <a:p>
             <a:pPr algn="ctr"/>
@@ -24614,10 +24432,6 @@
               </a:rPr>
               <a:t>commit</a:t>
             </a:r>
-            <a:endParaRPr lang="en-US" altLang="zh-CN" sz="800" dirty="0" smtClean="0">
-              <a:latin typeface="微软雅黑" panose="020B0503020204020204" pitchFamily="34" charset="-122"/>
-              <a:ea typeface="微软雅黑" panose="020B0503020204020204" pitchFamily="34" charset="-122"/>
-            </a:endParaRPr>
           </a:p>
           <a:p>
             <a:pPr algn="ctr"/>
@@ -25157,14 +24971,7 @@
                 <a:latin typeface="微软雅黑" panose="020B0503020204020204" pitchFamily="34" charset="-122"/>
                 <a:ea typeface="微软雅黑" panose="020B0503020204020204" pitchFamily="34" charset="-122"/>
               </a:rPr>
-              <a:t>并行的这些</a:t>
-            </a:r>
-            <a:r>
-              <a:rPr lang="zh-CN" altLang="en-US" sz="1000" dirty="0" smtClean="0">
-                <a:latin typeface="微软雅黑" panose="020B0503020204020204" pitchFamily="34" charset="-122"/>
-                <a:ea typeface="微软雅黑" panose="020B0503020204020204" pitchFamily="34" charset="-122"/>
-              </a:rPr>
-              <a:t>事务</a:t>
+              <a:t>并行的这些事务</a:t>
             </a:r>
             <a:r>
               <a:rPr lang="en-US" altLang="zh-CN" sz="1000" dirty="0" smtClean="0">
@@ -25309,40 +25116,29 @@
                 <a:latin typeface="微软雅黑" panose="020B0503020204020204" pitchFamily="34" charset="-122"/>
                 <a:ea typeface="微软雅黑" panose="020B0503020204020204" pitchFamily="34" charset="-122"/>
               </a:rPr>
-              <a:t>，这次我来汇总大家的事务写入</a:t>
+              <a:t>，这次我来汇总大家的事务写入。我们本次的</a:t>
+            </a:r>
+            <a:r>
+              <a:rPr lang="en-US" altLang="zh-CN" sz="1000" dirty="0" smtClean="0">
+                <a:latin typeface="微软雅黑" panose="020B0503020204020204" pitchFamily="34" charset="-122"/>
+                <a:ea typeface="微软雅黑" panose="020B0503020204020204" pitchFamily="34" charset="-122"/>
+              </a:rPr>
+              <a:t>commit id</a:t>
             </a:r>
             <a:r>
               <a:rPr lang="zh-CN" altLang="en-US" sz="1000" dirty="0" smtClean="0">
                 <a:latin typeface="微软雅黑" panose="020B0503020204020204" pitchFamily="34" charset="-122"/>
                 <a:ea typeface="微软雅黑" panose="020B0503020204020204" pitchFamily="34" charset="-122"/>
               </a:rPr>
-              <a:t>。我们本次的</a:t>
+              <a:t>是</a:t>
             </a:r>
             <a:r>
               <a:rPr lang="en-US" altLang="zh-CN" sz="1000" dirty="0" smtClean="0">
                 <a:latin typeface="微软雅黑" panose="020B0503020204020204" pitchFamily="34" charset="-122"/>
                 <a:ea typeface="微软雅黑" panose="020B0503020204020204" pitchFamily="34" charset="-122"/>
               </a:rPr>
-              <a:t>commit id</a:t>
-            </a:r>
-            <a:r>
-              <a:rPr lang="zh-CN" altLang="en-US" sz="1000" dirty="0" smtClean="0">
-                <a:latin typeface="微软雅黑" panose="020B0503020204020204" pitchFamily="34" charset="-122"/>
-                <a:ea typeface="微软雅黑" panose="020B0503020204020204" pitchFamily="34" charset="-122"/>
-              </a:rPr>
-              <a:t>是</a:t>
-            </a:r>
-            <a:r>
-              <a:rPr lang="en-US" altLang="zh-CN" sz="1000" dirty="0" smtClean="0">
-                <a:latin typeface="微软雅黑" panose="020B0503020204020204" pitchFamily="34" charset="-122"/>
-                <a:ea typeface="微软雅黑" panose="020B0503020204020204" pitchFamily="34" charset="-122"/>
-              </a:rPr>
               <a:t>523</a:t>
             </a:r>
-            <a:endParaRPr lang="en-US" altLang="zh-CN" sz="1000" dirty="0" smtClean="0">
-              <a:latin typeface="微软雅黑" panose="020B0503020204020204" pitchFamily="34" charset="-122"/>
-              <a:ea typeface="微软雅黑" panose="020B0503020204020204" pitchFamily="34" charset="-122"/>
-            </a:endParaRPr>
           </a:p>
         </p:txBody>
       </p:sp>
@@ -26423,17 +26219,7 @@
                 <a:latin typeface="微软雅黑" panose="020B0503020204020204" pitchFamily="34" charset="-122"/>
                 <a:ea typeface="微软雅黑" panose="020B0503020204020204" pitchFamily="34" charset="-122"/>
               </a:rPr>
-              <a:t>两者是或的关系</a:t>
-            </a:r>
-            <a:r>
-              <a:rPr lang="zh-CN" altLang="en-US" sz="1200" dirty="0" smtClean="0">
-                <a:solidFill>
-                  <a:srgbClr val="92D050"/>
-                </a:solidFill>
-                <a:latin typeface="微软雅黑" panose="020B0503020204020204" pitchFamily="34" charset="-122"/>
-                <a:ea typeface="微软雅黑" panose="020B0503020204020204" pitchFamily="34" charset="-122"/>
-              </a:rPr>
-              <a:t>。</a:t>
+              <a:t>两者是或的关系。</a:t>
             </a:r>
             <a:endParaRPr lang="en-US" altLang="zh-CN" sz="1200" dirty="0" smtClean="0">
               <a:solidFill>
